--- a/Exports/exports.pptx
+++ b/Exports/exports.pptx
@@ -14,9 +14,9 @@
     <p:sldId id="258" r:id="rId2"/>
     <p:sldId id="259" r:id="rId3"/>
     <p:sldId id="260" r:id="rId4"/>
-    <p:sldId id="262" r:id="rId5"/>
-    <p:sldId id="263" r:id="rId6"/>
-    <p:sldId id="264" r:id="rId7"/>
+    <p:sldId id="261" r:id="rId5"/>
+    <p:sldId id="262" r:id="rId6"/>
+    <p:sldId id="263" r:id="rId7"/>
   </p:sldIdLst>
   <p:sldSz cx="9144000" cy="6858000" type="screen4x3"/>
   <p:notesSz cx="6858000" cy="9296400"/>
@@ -311,7 +311,7 @@
               <a:pPr>
                 <a:defRPr/>
               </a:pPr>
-              <a:t>12/1/15</a:t>
+              <a:t>12/4/15</a:t>
             </a:fld>
             <a:endParaRPr lang="en-US"/>
           </a:p>
@@ -523,7 +523,7 @@
               <a:pPr>
                 <a:defRPr/>
               </a:pPr>
-              <a:t>12/1/15</a:t>
+              <a:t>12/4/15</a:t>
             </a:fld>
             <a:endParaRPr lang="en-US"/>
           </a:p>
@@ -920,104 +920,6 @@
     <p:extLst>
       <p:ext uri="{BB962C8B-B14F-4D97-AF65-F5344CB8AC3E}">
         <p14:creationId xmlns:p14="http://schemas.microsoft.com/office/powerpoint/2010/main" val="3559805"/>
-      </p:ext>
-    </p:extLst>
-  </p:cSld>
-  <p:clrMapOvr>
-    <a:masterClrMapping/>
-  </p:clrMapOvr>
-</p:notes>
-</file>
-
-<file path=ppt/notesSlides/notesSlide2.xml><?xml version="1.0" encoding="utf-8"?>
-<p:notes xmlns:a="http://schemas.openxmlformats.org/drawingml/2006/main" xmlns:r="http://schemas.openxmlformats.org/officeDocument/2006/relationships" xmlns:p="http://schemas.openxmlformats.org/presentationml/2006/main">
-  <p:cSld>
-    <p:spTree>
-      <p:nvGrpSpPr>
-        <p:cNvPr id="1" name=""/>
-        <p:cNvGrpSpPr/>
-        <p:nvPr/>
-      </p:nvGrpSpPr>
-      <p:grpSpPr>
-        <a:xfrm>
-          <a:off x="0" y="0"/>
-          <a:ext cx="0" cy="0"/>
-          <a:chOff x="0" y="0"/>
-          <a:chExt cx="0" cy="0"/>
-        </a:xfrm>
-      </p:grpSpPr>
-      <p:sp>
-        <p:nvSpPr>
-          <p:cNvPr id="2" name="Slide Image Placeholder 1"/>
-          <p:cNvSpPr>
-            <a:spLocks noGrp="1" noRot="1" noChangeAspect="1"/>
-          </p:cNvSpPr>
-          <p:nvPr>
-            <p:ph type="sldImg"/>
-          </p:nvPr>
-        </p:nvSpPr>
-        <p:spPr/>
-      </p:sp>
-      <p:sp>
-        <p:nvSpPr>
-          <p:cNvPr id="3" name="Notes Placeholder 2"/>
-          <p:cNvSpPr>
-            <a:spLocks noGrp="1"/>
-          </p:cNvSpPr>
-          <p:nvPr>
-            <p:ph type="body" idx="1"/>
-          </p:nvPr>
-        </p:nvSpPr>
-        <p:spPr/>
-        <p:txBody>
-          <a:bodyPr/>
-          <a:lstStyle/>
-          <a:p>
-            <a:r>
-              <a:rPr lang="en-US" dirty="0" smtClean="0"/>
-              <a:t>Explain each of the</a:t>
-            </a:r>
-            <a:r>
-              <a:rPr lang="en-US" baseline="0" dirty="0" smtClean="0"/>
-              <a:t> concepts with drawings</a:t>
-            </a:r>
-            <a:endParaRPr lang="en-US" dirty="0"/>
-          </a:p>
-        </p:txBody>
-      </p:sp>
-      <p:sp>
-        <p:nvSpPr>
-          <p:cNvPr id="4" name="Slide Number Placeholder 3"/>
-          <p:cNvSpPr>
-            <a:spLocks noGrp="1"/>
-          </p:cNvSpPr>
-          <p:nvPr>
-            <p:ph type="sldNum" sz="quarter" idx="10"/>
-          </p:nvPr>
-        </p:nvSpPr>
-        <p:spPr/>
-        <p:txBody>
-          <a:bodyPr/>
-          <a:lstStyle/>
-          <a:p>
-            <a:pPr>
-              <a:defRPr/>
-            </a:pPr>
-            <a:fld id="{307EBDA9-1523-4B97-AE6B-A78B2B72B3F3}" type="slidenum">
-              <a:rPr lang="en-US" smtClean="0"/>
-              <a:pPr>
-                <a:defRPr/>
-              </a:pPr>
-              <a:t>2</a:t>
-            </a:fld>
-            <a:endParaRPr lang="en-US"/>
-          </a:p>
-        </p:txBody>
-      </p:sp>
-    </p:spTree>
-    <p:extLst>
-      <p:ext uri="{BB962C8B-B14F-4D97-AF65-F5344CB8AC3E}">
-        <p14:creationId xmlns:p14="http://schemas.microsoft.com/office/powerpoint/2010/main" val="516747871"/>
       </p:ext>
     </p:extLst>
   </p:cSld>
@@ -2565,7 +2467,7 @@
               <a:rPr lang="en-US" sz="4300" dirty="0" smtClean="0">
                 <a:ea typeface="ＭＳ Ｐゴシック" pitchFamily="34" charset="-128"/>
               </a:rPr>
-              <a:t>GPS</a:t>
+              <a:t>Exports</a:t>
             </a:r>
             <a:endParaRPr lang="en-US" sz="4600" dirty="0">
               <a:ea typeface="ＭＳ Ｐゴシック" pitchFamily="34" charset="-128"/>
@@ -2625,9 +2527,18 @@
           <a:bodyPr/>
           <a:lstStyle/>
           <a:p>
+            <a:pPr algn="ctr"/>
             <a:r>
               <a:rPr lang="en-US" dirty="0" smtClean="0"/>
-              <a:t>How can GPS be integrated into your app?</a:t>
+              <a:t>So, you </a:t>
+            </a:r>
+            <a:r>
+              <a:rPr lang="en-US" dirty="0" err="1" smtClean="0"/>
+              <a:t>wanna</a:t>
+            </a:r>
+            <a:r>
+              <a:rPr lang="en-US" dirty="0" smtClean="0"/>
+              <a:t> see your data?</a:t>
             </a:r>
             <a:endParaRPr lang="en-US" dirty="0"/>
           </a:p>
@@ -2663,6 +2574,29 @@
           <a:chExt cx="0" cy="0"/>
         </a:xfrm>
       </p:grpSpPr>
+      <p:sp>
+        <p:nvSpPr>
+          <p:cNvPr id="2" name="Title 1"/>
+          <p:cNvSpPr>
+            <a:spLocks noGrp="1"/>
+          </p:cNvSpPr>
+          <p:nvPr>
+            <p:ph type="title"/>
+          </p:nvPr>
+        </p:nvSpPr>
+        <p:spPr/>
+        <p:txBody>
+          <a:bodyPr/>
+          <a:lstStyle/>
+          <a:p>
+            <a:r>
+              <a:rPr lang="en-US" dirty="0" smtClean="0"/>
+              <a:t>Export Forms: Create New Export</a:t>
+            </a:r>
+            <a:endParaRPr lang="en-US" dirty="0"/>
+          </a:p>
+        </p:txBody>
+      </p:sp>
       <p:pic>
         <p:nvPicPr>
           <p:cNvPr id="4" name="Picture 3"/>
@@ -2672,7 +2606,7 @@
           <p:nvPr/>
         </p:nvPicPr>
         <p:blipFill>
-          <a:blip r:embed="rId3">
+          <a:blip r:embed="rId2" cstate="print">
             <a:extLst>
               <a:ext uri="{28A0092B-C50C-407E-A947-70E740481C1C}">
                 <a14:useLocalDpi xmlns:a14="http://schemas.microsoft.com/office/drawing/2010/main" val="0"/>
@@ -2685,218 +2619,8 @@
         </p:blipFill>
         <p:spPr>
           <a:xfrm>
-            <a:off x="4928937" y="2190749"/>
-            <a:ext cx="1238251" cy="1238251"/>
-          </a:xfrm>
-          <a:prstGeom prst="rect">
-            <a:avLst/>
-          </a:prstGeom>
-        </p:spPr>
-      </p:pic>
-      <p:pic>
-        <p:nvPicPr>
-          <p:cNvPr id="6" name="Picture 5"/>
-          <p:cNvPicPr>
-            <a:picLocks noChangeAspect="1"/>
-          </p:cNvPicPr>
-          <p:nvPr/>
-        </p:nvPicPr>
-        <p:blipFill>
-          <a:blip r:embed="rId3">
-            <a:extLst>
-              <a:ext uri="{28A0092B-C50C-407E-A947-70E740481C1C}">
-                <a14:useLocalDpi xmlns:a14="http://schemas.microsoft.com/office/drawing/2010/main" val="0"/>
-              </a:ext>
-            </a:extLst>
-          </a:blip>
-          <a:stretch>
-            <a:fillRect/>
-          </a:stretch>
-        </p:blipFill>
-        <p:spPr>
-          <a:xfrm>
-            <a:off x="5121442" y="713873"/>
-            <a:ext cx="465222" cy="465222"/>
-          </a:xfrm>
-          <a:prstGeom prst="rect">
-            <a:avLst/>
-          </a:prstGeom>
-        </p:spPr>
-      </p:pic>
-      <p:pic>
-        <p:nvPicPr>
-          <p:cNvPr id="7" name="Picture 6"/>
-          <p:cNvPicPr>
-            <a:picLocks noChangeAspect="1"/>
-          </p:cNvPicPr>
-          <p:nvPr/>
-        </p:nvPicPr>
-        <p:blipFill>
-          <a:blip r:embed="rId3">
-            <a:extLst>
-              <a:ext uri="{28A0092B-C50C-407E-A947-70E740481C1C}">
-                <a14:useLocalDpi xmlns:a14="http://schemas.microsoft.com/office/drawing/2010/main" val="0"/>
-              </a:ext>
-            </a:extLst>
-          </a:blip>
-          <a:stretch>
-            <a:fillRect/>
-          </a:stretch>
-        </p:blipFill>
-        <p:spPr>
-          <a:xfrm>
-            <a:off x="5759117" y="1315453"/>
-            <a:ext cx="465222" cy="465222"/>
-          </a:xfrm>
-          <a:prstGeom prst="rect">
-            <a:avLst/>
-          </a:prstGeom>
-        </p:spPr>
-      </p:pic>
-      <p:pic>
-        <p:nvPicPr>
-          <p:cNvPr id="8" name="Picture 7"/>
-          <p:cNvPicPr>
-            <a:picLocks noChangeAspect="1"/>
-          </p:cNvPicPr>
-          <p:nvPr/>
-        </p:nvPicPr>
-        <p:blipFill>
-          <a:blip r:embed="rId3">
-            <a:extLst>
-              <a:ext uri="{28A0092B-C50C-407E-A947-70E740481C1C}">
-                <a14:useLocalDpi xmlns:a14="http://schemas.microsoft.com/office/drawing/2010/main" val="0"/>
-              </a:ext>
-            </a:extLst>
-          </a:blip>
-          <a:stretch>
-            <a:fillRect/>
-          </a:stretch>
-        </p:blipFill>
-        <p:spPr>
-          <a:xfrm>
-            <a:off x="6396792" y="1331495"/>
-            <a:ext cx="465222" cy="465222"/>
-          </a:xfrm>
-          <a:prstGeom prst="rect">
-            <a:avLst/>
-          </a:prstGeom>
-        </p:spPr>
-      </p:pic>
-      <p:pic>
-        <p:nvPicPr>
-          <p:cNvPr id="9" name="Picture 8"/>
-          <p:cNvPicPr>
-            <a:picLocks noChangeAspect="1"/>
-          </p:cNvPicPr>
-          <p:nvPr/>
-        </p:nvPicPr>
-        <p:blipFill>
-          <a:blip r:embed="rId3">
-            <a:extLst>
-              <a:ext uri="{28A0092B-C50C-407E-A947-70E740481C1C}">
-                <a14:useLocalDpi xmlns:a14="http://schemas.microsoft.com/office/drawing/2010/main" val="0"/>
-              </a:ext>
-            </a:extLst>
-          </a:blip>
-          <a:stretch>
-            <a:fillRect/>
-          </a:stretch>
-        </p:blipFill>
-        <p:spPr>
-          <a:xfrm>
-            <a:off x="6396792" y="709862"/>
-            <a:ext cx="465222" cy="465222"/>
-          </a:xfrm>
-          <a:prstGeom prst="rect">
-            <a:avLst/>
-          </a:prstGeom>
-        </p:spPr>
-      </p:pic>
-      <p:pic>
-        <p:nvPicPr>
-          <p:cNvPr id="10" name="Picture 9"/>
-          <p:cNvPicPr>
-            <a:picLocks noChangeAspect="1"/>
-          </p:cNvPicPr>
-          <p:nvPr/>
-        </p:nvPicPr>
-        <p:blipFill>
-          <a:blip r:embed="rId3">
-            <a:extLst>
-              <a:ext uri="{28A0092B-C50C-407E-A947-70E740481C1C}">
-                <a14:useLocalDpi xmlns:a14="http://schemas.microsoft.com/office/drawing/2010/main" val="0"/>
-              </a:ext>
-            </a:extLst>
-          </a:blip>
-          <a:stretch>
-            <a:fillRect/>
-          </a:stretch>
-        </p:blipFill>
-        <p:spPr>
-          <a:xfrm>
-            <a:off x="5759117" y="709862"/>
-            <a:ext cx="465222" cy="465222"/>
-          </a:xfrm>
-          <a:prstGeom prst="rect">
-            <a:avLst/>
-          </a:prstGeom>
-        </p:spPr>
-      </p:pic>
-      <p:pic>
-        <p:nvPicPr>
-          <p:cNvPr id="11" name="Picture 10"/>
-          <p:cNvPicPr>
-            <a:picLocks noChangeAspect="1"/>
-          </p:cNvPicPr>
-          <p:nvPr/>
-        </p:nvPicPr>
-        <p:blipFill>
-          <a:blip r:embed="rId3">
-            <a:extLst>
-              <a:ext uri="{28A0092B-C50C-407E-A947-70E740481C1C}">
-                <a14:useLocalDpi xmlns:a14="http://schemas.microsoft.com/office/drawing/2010/main" val="0"/>
-              </a:ext>
-            </a:extLst>
-          </a:blip>
-          <a:stretch>
-            <a:fillRect/>
-          </a:stretch>
-        </p:blipFill>
-        <p:spPr>
-          <a:xfrm>
-            <a:off x="5121442" y="1315453"/>
-            <a:ext cx="465222" cy="465222"/>
-          </a:xfrm>
-          <a:prstGeom prst="rect">
-            <a:avLst/>
-          </a:prstGeom>
-        </p:spPr>
-      </p:pic>
-      <p:pic>
-        <p:nvPicPr>
-          <p:cNvPr id="18" name="Picture 17"/>
-          <p:cNvPicPr>
-            <a:picLocks noChangeAspect="1"/>
-          </p:cNvPicPr>
-          <p:nvPr/>
-        </p:nvPicPr>
-        <p:blipFill>
-          <a:blip r:embed="rId4">
-            <a:extLst>
-              <a:ext uri="{28A0092B-C50C-407E-A947-70E740481C1C}">
-                <a14:useLocalDpi xmlns:a14="http://schemas.microsoft.com/office/drawing/2010/main" val="0"/>
-              </a:ext>
-            </a:extLst>
-          </a:blip>
-          <a:stretch>
-            <a:fillRect/>
-          </a:stretch>
-        </p:blipFill>
-        <p:spPr>
-          <a:xfrm>
-            <a:off x="5091865" y="3862588"/>
-            <a:ext cx="989597" cy="989597"/>
+            <a:off x="0" y="685800"/>
+            <a:ext cx="9144000" cy="5515897"/>
           </a:xfrm>
           <a:prstGeom prst="rect">
             <a:avLst/>
@@ -2905,299 +2629,100 @@
       </p:pic>
       <p:sp>
         <p:nvSpPr>
-          <p:cNvPr id="19" name="TextBox 18"/>
-          <p:cNvSpPr txBox="1"/>
+          <p:cNvPr id="6" name="Oval 5"/>
+          <p:cNvSpPr/>
           <p:nvPr/>
         </p:nvSpPr>
         <p:spPr>
           <a:xfrm>
-            <a:off x="371183" y="1006188"/>
-            <a:ext cx="3716082" cy="400110"/>
+            <a:off x="2529839" y="1559170"/>
+            <a:ext cx="958950" cy="944880"/>
           </a:xfrm>
-          <a:prstGeom prst="rect">
+          <a:prstGeom prst="ellipse">
             <a:avLst/>
           </a:prstGeom>
           <a:noFill/>
-        </p:spPr>
-        <p:txBody>
-          <a:bodyPr wrap="none" rtlCol="0">
-            <a:spAutoFit/>
-          </a:bodyPr>
-          <a:lstStyle/>
-          <a:p>
-            <a:r>
-              <a:rPr lang="en-US" sz="2000" dirty="0" smtClean="0"/>
-              <a:t>Automatically before each form</a:t>
-            </a:r>
-            <a:endParaRPr lang="en-US" sz="2000" dirty="0"/>
-          </a:p>
-        </p:txBody>
-      </p:sp>
-      <p:sp>
-        <p:nvSpPr>
-          <p:cNvPr id="20" name="TextBox 19"/>
-          <p:cNvSpPr txBox="1"/>
-          <p:nvPr/>
-        </p:nvSpPr>
-        <p:spPr>
-          <a:xfrm>
-            <a:off x="371183" y="2434388"/>
-            <a:ext cx="4243469" cy="400110"/>
-          </a:xfrm>
-          <a:prstGeom prst="rect">
-            <a:avLst/>
-          </a:prstGeom>
-          <a:noFill/>
-        </p:spPr>
-        <p:txBody>
-          <a:bodyPr wrap="none" rtlCol="0">
-            <a:spAutoFit/>
-          </a:bodyPr>
-          <a:lstStyle/>
-          <a:p>
-            <a:r>
-              <a:rPr lang="en-US" sz="2000" dirty="0" smtClean="0"/>
-              <a:t>Automatically before selected forms</a:t>
-            </a:r>
-            <a:endParaRPr lang="en-US" sz="2000" dirty="0"/>
-          </a:p>
-        </p:txBody>
-      </p:sp>
-      <p:sp>
-        <p:nvSpPr>
-          <p:cNvPr id="22" name="TextBox 21"/>
-          <p:cNvSpPr txBox="1"/>
-          <p:nvPr/>
-        </p:nvSpPr>
-        <p:spPr>
-          <a:xfrm>
-            <a:off x="371183" y="3862588"/>
-            <a:ext cx="1737976" cy="400110"/>
-          </a:xfrm>
-          <a:prstGeom prst="rect">
-            <a:avLst/>
-          </a:prstGeom>
-          <a:noFill/>
-        </p:spPr>
-        <p:txBody>
-          <a:bodyPr wrap="none" rtlCol="0">
-            <a:spAutoFit/>
-          </a:bodyPr>
-          <a:lstStyle/>
-          <a:p>
-            <a:r>
-              <a:rPr lang="en-US" sz="2000" dirty="0" smtClean="0"/>
-              <a:t>As a question</a:t>
-            </a:r>
-            <a:endParaRPr lang="en-US" sz="2000" dirty="0"/>
-          </a:p>
-        </p:txBody>
-      </p:sp>
-      <p:sp>
-        <p:nvSpPr>
-          <p:cNvPr id="23" name="TextBox 22"/>
-          <p:cNvSpPr txBox="1"/>
-          <p:nvPr/>
-        </p:nvSpPr>
-        <p:spPr>
-          <a:xfrm>
-            <a:off x="371183" y="5219166"/>
-            <a:ext cx="1795684" cy="400110"/>
-          </a:xfrm>
-          <a:prstGeom prst="rect">
-            <a:avLst/>
-          </a:prstGeom>
-          <a:noFill/>
-        </p:spPr>
-        <p:txBody>
-          <a:bodyPr wrap="none" rtlCol="0">
-            <a:spAutoFit/>
-          </a:bodyPr>
-          <a:lstStyle/>
-          <a:p>
-            <a:r>
-              <a:rPr lang="en-US" sz="2000" dirty="0" smtClean="0"/>
-              <a:t>By app callout</a:t>
-            </a:r>
-            <a:endParaRPr lang="en-US" sz="2000" dirty="0"/>
-          </a:p>
-        </p:txBody>
-      </p:sp>
-      <p:cxnSp>
-        <p:nvCxnSpPr>
-          <p:cNvPr id="25" name="Straight Connector 24"/>
-          <p:cNvCxnSpPr/>
-          <p:nvPr/>
-        </p:nvCxnSpPr>
-        <p:spPr>
-          <a:xfrm>
-            <a:off x="371183" y="2082465"/>
-            <a:ext cx="7976936" cy="0"/>
-          </a:xfrm>
-          <a:prstGeom prst="line">
-            <a:avLst/>
-          </a:prstGeom>
           <a:ln>
             <a:solidFill>
-              <a:schemeClr val="bg1">
-                <a:lumMod val="85000"/>
-              </a:schemeClr>
+              <a:srgbClr val="FF0000"/>
             </a:solidFill>
           </a:ln>
         </p:spPr>
         <p:style>
-          <a:lnRef idx="1">
-            <a:schemeClr val="accent1"/>
+          <a:lnRef idx="2">
+            <a:schemeClr val="accent1">
+              <a:shade val="50000"/>
+            </a:schemeClr>
           </a:lnRef>
-          <a:fillRef idx="0">
+          <a:fillRef idx="1">
             <a:schemeClr val="accent1"/>
           </a:fillRef>
           <a:effectRef idx="0">
             <a:schemeClr val="accent1"/>
           </a:effectRef>
           <a:fontRef idx="minor">
-            <a:schemeClr val="tx1"/>
+            <a:schemeClr val="lt1"/>
           </a:fontRef>
         </p:style>
-      </p:cxnSp>
-      <p:cxnSp>
-        <p:nvCxnSpPr>
-          <p:cNvPr id="26" name="Straight Connector 25"/>
-          <p:cNvCxnSpPr/>
+        <p:txBody>
+          <a:bodyPr rtlCol="0" anchor="ctr"/>
+          <a:lstStyle/>
+          <a:p>
+            <a:pPr algn="ctr"/>
+            <a:endParaRPr lang="en-US"/>
+          </a:p>
+        </p:txBody>
+      </p:sp>
+      <p:sp>
+        <p:nvSpPr>
+          <p:cNvPr id="7" name="Oval 6"/>
+          <p:cNvSpPr/>
           <p:nvPr/>
-        </p:nvCxnSpPr>
+        </p:nvSpPr>
         <p:spPr>
           <a:xfrm>
-            <a:off x="371183" y="3690686"/>
-            <a:ext cx="7976936" cy="0"/>
+            <a:off x="1599028" y="2292741"/>
+            <a:ext cx="1153551" cy="405909"/>
           </a:xfrm>
-          <a:prstGeom prst="line">
+          <a:prstGeom prst="ellipse">
             <a:avLst/>
           </a:prstGeom>
+          <a:noFill/>
           <a:ln>
             <a:solidFill>
-              <a:schemeClr val="bg1">
-                <a:lumMod val="85000"/>
-              </a:schemeClr>
+              <a:srgbClr val="FF0000"/>
             </a:solidFill>
           </a:ln>
         </p:spPr>
         <p:style>
-          <a:lnRef idx="1">
-            <a:schemeClr val="accent1"/>
+          <a:lnRef idx="2">
+            <a:schemeClr val="accent1">
+              <a:shade val="50000"/>
+            </a:schemeClr>
           </a:lnRef>
-          <a:fillRef idx="0">
+          <a:fillRef idx="1">
             <a:schemeClr val="accent1"/>
           </a:fillRef>
           <a:effectRef idx="0">
             <a:schemeClr val="accent1"/>
           </a:effectRef>
           <a:fontRef idx="minor">
-            <a:schemeClr val="tx1"/>
+            <a:schemeClr val="lt1"/>
           </a:fontRef>
         </p:style>
-      </p:cxnSp>
-      <p:cxnSp>
-        <p:nvCxnSpPr>
-          <p:cNvPr id="27" name="Straight Connector 26"/>
-          <p:cNvCxnSpPr/>
-          <p:nvPr/>
-        </p:nvCxnSpPr>
-        <p:spPr>
-          <a:xfrm>
-            <a:off x="371183" y="5176052"/>
-            <a:ext cx="7976936" cy="0"/>
-          </a:xfrm>
-          <a:prstGeom prst="line">
-            <a:avLst/>
-          </a:prstGeom>
-          <a:ln>
-            <a:solidFill>
-              <a:schemeClr val="bg1">
-                <a:lumMod val="85000"/>
-              </a:schemeClr>
-            </a:solidFill>
-          </a:ln>
-        </p:spPr>
-        <p:style>
-          <a:lnRef idx="1">
-            <a:schemeClr val="accent1"/>
-          </a:lnRef>
-          <a:fillRef idx="0">
-            <a:schemeClr val="accent1"/>
-          </a:fillRef>
-          <a:effectRef idx="0">
-            <a:schemeClr val="accent1"/>
-          </a:effectRef>
-          <a:fontRef idx="minor">
-            <a:schemeClr val="tx1"/>
-          </a:fontRef>
-        </p:style>
-      </p:cxnSp>
-      <p:pic>
-        <p:nvPicPr>
-          <p:cNvPr id="28" name="Picture 27"/>
-          <p:cNvPicPr>
-            <a:picLocks noChangeAspect="1"/>
-          </p:cNvPicPr>
-          <p:nvPr/>
-        </p:nvPicPr>
-        <p:blipFill>
-          <a:blip r:embed="rId5">
-            <a:extLst>
-              <a:ext uri="{28A0092B-C50C-407E-A947-70E740481C1C}">
-                <a14:useLocalDpi xmlns:a14="http://schemas.microsoft.com/office/drawing/2010/main" val="0"/>
-              </a:ext>
-            </a:extLst>
-          </a:blip>
-          <a:stretch>
-            <a:fillRect/>
-          </a:stretch>
-        </p:blipFill>
-        <p:spPr>
-          <a:xfrm>
-            <a:off x="5091865" y="5311262"/>
-            <a:ext cx="944480" cy="944480"/>
-          </a:xfrm>
-          <a:prstGeom prst="rect">
-            <a:avLst/>
-          </a:prstGeom>
-        </p:spPr>
-      </p:pic>
-      <p:pic>
-        <p:nvPicPr>
-          <p:cNvPr id="29" name="Picture 28"/>
-          <p:cNvPicPr>
-            <a:picLocks noChangeAspect="1"/>
-          </p:cNvPicPr>
-          <p:nvPr/>
-        </p:nvPicPr>
-        <p:blipFill>
-          <a:blip r:embed="rId6">
-            <a:extLst>
-              <a:ext uri="{28A0092B-C50C-407E-A947-70E740481C1C}">
-                <a14:useLocalDpi xmlns:a14="http://schemas.microsoft.com/office/drawing/2010/main" val="0"/>
-              </a:ext>
-            </a:extLst>
-          </a:blip>
-          <a:stretch>
-            <a:fillRect/>
-          </a:stretch>
-        </p:blipFill>
-        <p:spPr>
-          <a:xfrm rot="5400000">
-            <a:off x="5732045" y="5366492"/>
-            <a:ext cx="798094" cy="798094"/>
-          </a:xfrm>
-          <a:prstGeom prst="rect">
-            <a:avLst/>
-          </a:prstGeom>
-        </p:spPr>
-      </p:pic>
+        <p:txBody>
+          <a:bodyPr rtlCol="0" anchor="ctr"/>
+          <a:lstStyle/>
+          <a:p>
+            <a:pPr algn="ctr"/>
+            <a:endParaRPr lang="en-US"/>
+          </a:p>
+        </p:txBody>
+      </p:sp>
     </p:spTree>
     <p:extLst>
       <p:ext uri="{BB962C8B-B14F-4D97-AF65-F5344CB8AC3E}">
-        <p14:creationId xmlns:p14="http://schemas.microsoft.com/office/powerpoint/2010/main" val="886607263"/>
+        <p14:creationId xmlns:p14="http://schemas.microsoft.com/office/powerpoint/2010/main" val="1183066269"/>
       </p:ext>
     </p:extLst>
   </p:cSld>
@@ -3234,29 +2759,99 @@
             <p:ph type="title"/>
           </p:nvPr>
         </p:nvSpPr>
-        <p:spPr>
-          <a:xfrm>
-            <a:off x="457200" y="3416969"/>
-            <a:ext cx="8229600" cy="457200"/>
-          </a:xfrm>
-        </p:spPr>
+        <p:spPr/>
         <p:txBody>
           <a:bodyPr/>
           <a:lstStyle/>
           <a:p>
-            <a:pPr algn="ctr"/>
             <a:r>
               <a:rPr lang="en-US" dirty="0" smtClean="0"/>
-              <a:t>Add two types of GPS collection methods</a:t>
+              <a:t>Export Forms: Select the form</a:t>
             </a:r>
             <a:endParaRPr lang="en-US" dirty="0"/>
+          </a:p>
+        </p:txBody>
+      </p:sp>
+      <p:pic>
+        <p:nvPicPr>
+          <p:cNvPr id="4" name="Picture 3"/>
+          <p:cNvPicPr>
+            <a:picLocks noChangeAspect="1"/>
+          </p:cNvPicPr>
+          <p:nvPr/>
+        </p:nvPicPr>
+        <p:blipFill>
+          <a:blip r:embed="rId2" cstate="print">
+            <a:extLst>
+              <a:ext uri="{28A0092B-C50C-407E-A947-70E740481C1C}">
+                <a14:useLocalDpi xmlns:a14="http://schemas.microsoft.com/office/drawing/2010/main" val="0"/>
+              </a:ext>
+            </a:extLst>
+          </a:blip>
+          <a:stretch>
+            <a:fillRect/>
+          </a:stretch>
+        </p:blipFill>
+        <p:spPr>
+          <a:xfrm>
+            <a:off x="0" y="660400"/>
+            <a:ext cx="9144000" cy="5515897"/>
+          </a:xfrm>
+          <a:prstGeom prst="rect">
+            <a:avLst/>
+          </a:prstGeom>
+        </p:spPr>
+      </p:pic>
+      <p:sp>
+        <p:nvSpPr>
+          <p:cNvPr id="5" name="Oval 4"/>
+          <p:cNvSpPr/>
+          <p:nvPr/>
+        </p:nvSpPr>
+        <p:spPr>
+          <a:xfrm>
+            <a:off x="2529838" y="1559169"/>
+            <a:ext cx="4138248" cy="1676399"/>
+          </a:xfrm>
+          <a:prstGeom prst="ellipse">
+            <a:avLst/>
+          </a:prstGeom>
+          <a:noFill/>
+          <a:ln>
+            <a:solidFill>
+              <a:srgbClr val="FF0000"/>
+            </a:solidFill>
+          </a:ln>
+        </p:spPr>
+        <p:style>
+          <a:lnRef idx="2">
+            <a:schemeClr val="accent1">
+              <a:shade val="50000"/>
+            </a:schemeClr>
+          </a:lnRef>
+          <a:fillRef idx="1">
+            <a:schemeClr val="accent1"/>
+          </a:fillRef>
+          <a:effectRef idx="0">
+            <a:schemeClr val="accent1"/>
+          </a:effectRef>
+          <a:fontRef idx="minor">
+            <a:schemeClr val="lt1"/>
+          </a:fontRef>
+        </p:style>
+        <p:txBody>
+          <a:bodyPr rtlCol="0" anchor="ctr"/>
+          <a:lstStyle/>
+          <a:p>
+            <a:pPr algn="ctr"/>
+            <a:endParaRPr lang="en-US"/>
           </a:p>
         </p:txBody>
       </p:sp>
     </p:spTree>
     <p:extLst>
       <p:ext uri="{BB962C8B-B14F-4D97-AF65-F5344CB8AC3E}">
-        <p14:creationId xmlns:p14="http://schemas.microsoft.com/office/powerpoint/2010/main" val="1223942617"/>
+        <p14:creationId xmlns:p14="http://schemas.microsoft.com/office/powerpoint/2010/main" val="1992007663"/>
       </p:ext>
     </p:extLst>
   </p:cSld>
@@ -3300,48 +2895,46 @@
           <a:p>
             <a:r>
               <a:rPr lang="en-US" dirty="0" smtClean="0"/>
-              <a:t>Activity: Add GPS</a:t>
+              <a:t>Export Forms: Select the data</a:t>
             </a:r>
             <a:endParaRPr lang="en-US" dirty="0"/>
           </a:p>
         </p:txBody>
       </p:sp>
-      <p:sp>
-        <p:nvSpPr>
-          <p:cNvPr id="3" name="Content Placeholder 2"/>
-          <p:cNvSpPr>
-            <a:spLocks noGrp="1"/>
-          </p:cNvSpPr>
-          <p:nvPr>
-            <p:ph idx="1"/>
-          </p:nvPr>
-        </p:nvSpPr>
+      <p:pic>
+        <p:nvPicPr>
+          <p:cNvPr id="4" name="Picture 3"/>
+          <p:cNvPicPr>
+            <a:picLocks noChangeAspect="1"/>
+          </p:cNvPicPr>
+          <p:nvPr/>
+        </p:nvPicPr>
+        <p:blipFill>
+          <a:blip r:embed="rId2" cstate="print">
+            <a:extLst>
+              <a:ext uri="{28A0092B-C50C-407E-A947-70E740481C1C}">
+                <a14:useLocalDpi xmlns:a14="http://schemas.microsoft.com/office/drawing/2010/main" val="0"/>
+              </a:ext>
+            </a:extLst>
+          </a:blip>
+          <a:stretch>
+            <a:fillRect/>
+          </a:stretch>
+        </p:blipFill>
         <p:spPr>
           <a:xfrm>
-            <a:off x="457200" y="990600"/>
-            <a:ext cx="8229600" cy="1147689"/>
+            <a:off x="0" y="660400"/>
+            <a:ext cx="9144000" cy="5515897"/>
           </a:xfrm>
+          <a:prstGeom prst="rect">
+            <a:avLst/>
+          </a:prstGeom>
         </p:spPr>
-        <p:txBody>
-          <a:bodyPr/>
-          <a:lstStyle/>
-          <a:p>
-            <a:r>
-              <a:rPr lang="en-US" dirty="0" smtClean="0"/>
-              <a:t>Add auto GPS capture to all your forms and then check it out in </a:t>
-            </a:r>
-            <a:r>
-              <a:rPr lang="en-US" smtClean="0"/>
-              <a:t>the Submission History!</a:t>
-            </a:r>
-            <a:endParaRPr lang="en-US" dirty="0"/>
-          </a:p>
-        </p:txBody>
-      </p:sp>
+      </p:pic>
     </p:spTree>
     <p:extLst>
       <p:ext uri="{BB962C8B-B14F-4D97-AF65-F5344CB8AC3E}">
-        <p14:creationId xmlns:p14="http://schemas.microsoft.com/office/powerpoint/2010/main" val="811941358"/>
+        <p14:creationId xmlns:p14="http://schemas.microsoft.com/office/powerpoint/2010/main" val="57627372"/>
       </p:ext>
     </p:extLst>
   </p:cSld>
@@ -3380,344 +2973,27 @@
         </p:nvSpPr>
         <p:spPr>
           <a:xfrm>
-            <a:off x="457200" y="228600"/>
-            <a:ext cx="8686800" cy="457200"/>
+            <a:off x="457200" y="3098409"/>
+            <a:ext cx="8229600" cy="457200"/>
           </a:xfrm>
         </p:spPr>
         <p:txBody>
           <a:bodyPr/>
           <a:lstStyle/>
           <a:p>
+            <a:pPr algn="ctr"/>
             <a:r>
-              <a:rPr lang="en-US" dirty="0" smtClean="0">
-                <a:solidFill>
-                  <a:srgbClr val="FF0000"/>
-                </a:solidFill>
-              </a:rPr>
-              <a:t>Challenge </a:t>
+              <a:rPr lang="en-US" sz="2800" dirty="0" smtClean="0"/>
+              <a:t>Same process for cases except hit Export Cases</a:t>
             </a:r>
-            <a:r>
-              <a:rPr lang="en-US" dirty="0" smtClean="0"/>
-              <a:t>Activity</a:t>
-            </a:r>
-            <a:r>
-              <a:rPr lang="en-US" smtClean="0"/>
-              <a:t>: Distance between forms</a:t>
-            </a:r>
-            <a:endParaRPr lang="en-US">
-              <a:solidFill>
-                <a:srgbClr val="FF0000"/>
-              </a:solidFill>
-            </a:endParaRPr>
-          </a:p>
-        </p:txBody>
-      </p:sp>
-      <p:sp>
-        <p:nvSpPr>
-          <p:cNvPr id="3" name="Content Placeholder 2"/>
-          <p:cNvSpPr>
-            <a:spLocks noGrp="1"/>
-          </p:cNvSpPr>
-          <p:nvPr>
-            <p:ph idx="1"/>
-          </p:nvPr>
-        </p:nvSpPr>
-        <p:spPr/>
-        <p:txBody>
-          <a:bodyPr/>
-          <a:lstStyle/>
-          <a:p>
-            <a:r>
-              <a:rPr lang="en-US" dirty="0" smtClean="0"/>
-              <a:t>Calculate the distance between forms and display it as a label. Useful calculations:</a:t>
-            </a:r>
-          </a:p>
-          <a:p>
-            <a:r>
-              <a:rPr lang="en-US" sz="1400" b="1" dirty="0" err="1"/>
-              <a:t>latitude_now</a:t>
-            </a:r>
-            <a:r>
-              <a:rPr lang="en-US" sz="1400" b="1" dirty="0"/>
-              <a:t>: </a:t>
-            </a:r>
-            <a:r>
-              <a:rPr lang="en-US" sz="1400" dirty="0"/>
-              <a:t>if(/data/meta/location, selected-at(/data/meta/location,0), '')</a:t>
-            </a:r>
-          </a:p>
-          <a:p>
-            <a:r>
-              <a:rPr lang="en-US" sz="1400" b="1" dirty="0" err="1"/>
-              <a:t>longitude_now</a:t>
-            </a:r>
-            <a:r>
-              <a:rPr lang="en-US" sz="1400" b="1" dirty="0"/>
-              <a:t>: </a:t>
-            </a:r>
-            <a:r>
-              <a:rPr lang="en-US" sz="1400" dirty="0"/>
-              <a:t>if(/data/meta/location, selected-at(/data/meta/location,1), '')</a:t>
-            </a:r>
-          </a:p>
-          <a:p>
-            <a:r>
-              <a:rPr lang="en-US" sz="1400" b="1" dirty="0" err="1"/>
-              <a:t>latitude_reference</a:t>
-            </a:r>
-            <a:r>
-              <a:rPr lang="en-US" sz="1400" b="1" dirty="0"/>
-              <a:t>: </a:t>
-            </a:r>
-            <a:r>
-              <a:rPr lang="en-US" sz="1400" dirty="0"/>
-              <a:t>-&gt; </a:t>
-            </a:r>
-            <a:r>
-              <a:rPr lang="en-US" sz="1400" i="1" dirty="0"/>
-              <a:t>loaded from case property</a:t>
-            </a:r>
-            <a:endParaRPr lang="en-US" sz="1400" dirty="0"/>
-          </a:p>
-          <a:p>
-            <a:r>
-              <a:rPr lang="en-US" sz="1400" b="1" dirty="0" err="1"/>
-              <a:t>longitude_reference</a:t>
-            </a:r>
-            <a:r>
-              <a:rPr lang="en-US" sz="1400" b="1" dirty="0"/>
-              <a:t>: </a:t>
-            </a:r>
-            <a:r>
-              <a:rPr lang="en-US" sz="1400" dirty="0"/>
-              <a:t>-&gt; </a:t>
-            </a:r>
-            <a:r>
-              <a:rPr lang="en-US" sz="1400" i="1" dirty="0"/>
-              <a:t>loaded from case property</a:t>
-            </a:r>
-            <a:endParaRPr lang="en-US" sz="1400" dirty="0"/>
-          </a:p>
-          <a:p>
-            <a:r>
-              <a:rPr lang="en-US" sz="1400" b="1" dirty="0" err="1"/>
-              <a:t>valid_gps</a:t>
-            </a:r>
-            <a:r>
-              <a:rPr lang="en-US" sz="1400" b="1" dirty="0"/>
-              <a:t>: </a:t>
-            </a:r>
-            <a:r>
-              <a:rPr lang="en-US" sz="1400" dirty="0"/>
-              <a:t>/data/meta/location != ''</a:t>
-            </a:r>
-          </a:p>
-          <a:p>
-            <a:r>
-              <a:rPr lang="en-US" sz="1400" b="1" dirty="0" err="1"/>
-              <a:t>latitude_delta</a:t>
-            </a:r>
-            <a:r>
-              <a:rPr lang="en-US" sz="1400" b="1" dirty="0"/>
-              <a:t>: </a:t>
-            </a:r>
-            <a:r>
-              <a:rPr lang="en-US" sz="1400" dirty="0"/>
-              <a:t>if(/data/</a:t>
-            </a:r>
-            <a:r>
-              <a:rPr lang="en-US" sz="1400" dirty="0" err="1"/>
-              <a:t>valid_gps</a:t>
-            </a:r>
-            <a:r>
-              <a:rPr lang="en-US" sz="1400" dirty="0"/>
-              <a:t>='1', if (/data/</a:t>
-            </a:r>
-            <a:r>
-              <a:rPr lang="en-US" sz="1400" dirty="0" err="1"/>
-              <a:t>latitude_reference</a:t>
-            </a:r>
-            <a:r>
-              <a:rPr lang="en-US" sz="1400" dirty="0"/>
-              <a:t>, double(/data/</a:t>
-            </a:r>
-            <a:r>
-              <a:rPr lang="en-US" sz="1400" dirty="0" err="1"/>
-              <a:t>latitude_reference</a:t>
-            </a:r>
-            <a:r>
-              <a:rPr lang="en-US" sz="1400" dirty="0"/>
-              <a:t>) - double(/data/</a:t>
-            </a:r>
-            <a:r>
-              <a:rPr lang="en-US" sz="1400" dirty="0" err="1"/>
-              <a:t>latitude_now</a:t>
-            </a:r>
-            <a:r>
-              <a:rPr lang="en-US" sz="1400" dirty="0"/>
-              <a:t>), 100), '')</a:t>
-            </a:r>
-          </a:p>
-          <a:p>
-            <a:r>
-              <a:rPr lang="en-US" sz="1400" b="1" dirty="0" err="1"/>
-              <a:t>longitude_delta</a:t>
-            </a:r>
-            <a:r>
-              <a:rPr lang="en-US" sz="1400" b="1" dirty="0"/>
-              <a:t>: </a:t>
-            </a:r>
-            <a:r>
-              <a:rPr lang="en-US" sz="1400" dirty="0"/>
-              <a:t>if(/data/</a:t>
-            </a:r>
-            <a:r>
-              <a:rPr lang="en-US" sz="1400" dirty="0" err="1"/>
-              <a:t>valid_gps</a:t>
-            </a:r>
-            <a:r>
-              <a:rPr lang="en-US" sz="1400" dirty="0"/>
-              <a:t>='1', if(/data/</a:t>
-            </a:r>
-            <a:r>
-              <a:rPr lang="en-US" sz="1400" dirty="0" err="1"/>
-              <a:t>longitude_reference</a:t>
-            </a:r>
-            <a:r>
-              <a:rPr lang="en-US" sz="1400" dirty="0"/>
-              <a:t>, double(/data/</a:t>
-            </a:r>
-            <a:r>
-              <a:rPr lang="en-US" sz="1400" dirty="0" err="1"/>
-              <a:t>longitude_reference</a:t>
-            </a:r>
-            <a:r>
-              <a:rPr lang="en-US" sz="1400" dirty="0"/>
-              <a:t>) - double(/data/</a:t>
-            </a:r>
-            <a:r>
-              <a:rPr lang="en-US" sz="1400" dirty="0" err="1"/>
-              <a:t>longitude_now</a:t>
-            </a:r>
-            <a:r>
-              <a:rPr lang="en-US" sz="1400" dirty="0"/>
-              <a:t>), 100), '')</a:t>
-            </a:r>
-          </a:p>
-          <a:p>
-            <a:r>
-              <a:rPr lang="en-US" sz="1400" b="1" dirty="0" err="1"/>
-              <a:t>location_distance_degrees</a:t>
-            </a:r>
-            <a:r>
-              <a:rPr lang="en-US" sz="1400" b="1" dirty="0"/>
-              <a:t>:</a:t>
-            </a:r>
-            <a:r>
-              <a:rPr lang="en-US" sz="1400" dirty="0"/>
-              <a:t> if(/data/</a:t>
-            </a:r>
-            <a:r>
-              <a:rPr lang="en-US" sz="1400" dirty="0" err="1"/>
-              <a:t>valid_gps</a:t>
-            </a:r>
-            <a:r>
-              <a:rPr lang="en-US" sz="1400" dirty="0"/>
-              <a:t>='1', pow(/data/</a:t>
-            </a:r>
-            <a:r>
-              <a:rPr lang="en-US" sz="1400" dirty="0" err="1"/>
-              <a:t>latitude_delta</a:t>
-            </a:r>
-            <a:r>
-              <a:rPr lang="en-US" sz="1400" dirty="0"/>
-              <a:t> * /data/</a:t>
-            </a:r>
-            <a:r>
-              <a:rPr lang="en-US" sz="1400" dirty="0" err="1"/>
-              <a:t>latitude_delta</a:t>
-            </a:r>
-            <a:r>
-              <a:rPr lang="en-US" sz="1400" dirty="0"/>
-              <a:t> + /data/</a:t>
-            </a:r>
-            <a:r>
-              <a:rPr lang="en-US" sz="1400" dirty="0" err="1"/>
-              <a:t>longitude_delta</a:t>
-            </a:r>
-            <a:r>
-              <a:rPr lang="en-US" sz="1400" dirty="0"/>
-              <a:t> * /data/</a:t>
-            </a:r>
-            <a:r>
-              <a:rPr lang="en-US" sz="1400" dirty="0" err="1"/>
-              <a:t>longitude_delta</a:t>
-            </a:r>
-            <a:r>
-              <a:rPr lang="en-US" sz="1400" dirty="0"/>
-              <a:t> , 0.5), '')</a:t>
-            </a:r>
-          </a:p>
-          <a:p>
-            <a:r>
-              <a:rPr lang="en-US" sz="1400" b="1" dirty="0" err="1"/>
-              <a:t>location_distance:</a:t>
-            </a:r>
-            <a:r>
-              <a:rPr lang="en-US" sz="1400" dirty="0" err="1"/>
-              <a:t>if</a:t>
-            </a:r>
-            <a:r>
-              <a:rPr lang="en-US" sz="1400" dirty="0"/>
-              <a:t>(/data/</a:t>
-            </a:r>
-            <a:r>
-              <a:rPr lang="en-US" sz="1400" dirty="0" err="1"/>
-              <a:t>valid_gps</a:t>
-            </a:r>
-            <a:r>
-              <a:rPr lang="en-US" sz="1400" dirty="0"/>
-              <a:t>='1',/data/</a:t>
-            </a:r>
-            <a:r>
-              <a:rPr lang="en-US" sz="1400" dirty="0" err="1"/>
-              <a:t>location_distance_degrees</a:t>
-            </a:r>
-            <a:r>
-              <a:rPr lang="en-US" sz="1400" dirty="0"/>
-              <a:t> * 40075 div 360, '')</a:t>
-            </a:r>
-          </a:p>
-          <a:p>
-            <a:pPr marL="0" indent="0">
-              <a:buNone/>
-            </a:pPr>
-            <a:endParaRPr lang="en-US" dirty="0" smtClean="0"/>
-          </a:p>
-          <a:p>
-            <a:pPr marL="0" indent="0">
-              <a:buNone/>
-            </a:pPr>
-            <a:r>
-              <a:rPr lang="en-US" dirty="0"/>
-              <a:t>Docs: http://</a:t>
-            </a:r>
-            <a:r>
-              <a:rPr lang="en-US" dirty="0" err="1"/>
-              <a:t>bit.ly</a:t>
-            </a:r>
-            <a:r>
-              <a:rPr lang="en-US"/>
-              <a:t>/1jw8cW9</a:t>
-            </a:r>
-            <a:endParaRPr lang="en-US" dirty="0"/>
+            <a:endParaRPr lang="en-US" sz="2800" dirty="0"/>
           </a:p>
         </p:txBody>
       </p:sp>
     </p:spTree>
     <p:extLst>
       <p:ext uri="{BB962C8B-B14F-4D97-AF65-F5344CB8AC3E}">
-        <p14:creationId xmlns:p14="http://schemas.microsoft.com/office/powerpoint/2010/main" val="1384236875"/>
+        <p14:creationId xmlns:p14="http://schemas.microsoft.com/office/powerpoint/2010/main" val="1830445854"/>
       </p:ext>
     </p:extLst>
   </p:cSld>
